--- a/DataBases/Presentations/Introduction-to-MS-SQL-Server-and-MySQL.pptx
+++ b/DataBases/Presentations/Introduction-to-MS-SQL-Server-and-MySQL.pptx
@@ -337,7 +337,7 @@
             <a:fld id="{3BF7C7B5-275F-4D1F-9AB4-9255447DBC73}" type="datetimeFigureOut">
               <a:rPr lang="en-US"/>
               <a:pPr/>
-              <a:t>09.07.2013</a:t>
+              <a:t>15.07.2013</a:t>
             </a:fld>
             <a:endParaRPr lang="en-US" dirty="0"/>
           </a:p>
@@ -568,7 +568,7 @@
             <a:fld id="{9B46F231-FB2B-4655-A644-E2477325E686}" type="datetimeFigureOut">
               <a:rPr lang="en-US"/>
               <a:pPr/>
-              <a:t>09.07.2013</a:t>
+              <a:t>15.07.2013</a:t>
             </a:fld>
             <a:endParaRPr lang="en-US" dirty="0"/>
           </a:p>
@@ -17224,7 +17224,7 @@
         </p:nvSpPr>
         <p:spPr>
           <a:xfrm>
-            <a:off x="228600" y="914400"/>
+            <a:off x="228600" y="838200"/>
             <a:ext cx="8686800" cy="5791200"/>
           </a:xfrm>
         </p:spPr>
@@ -17367,8 +17367,27 @@
                   </a:schemeClr>
                 </a:solidFill>
               </a:rPr>
-              <a:t>to populate the DB contents.</a:t>
-            </a:r>
+              <a:t>to populate the DB </a:t>
+            </a:r>
+            <a:r>
+              <a:rPr lang="en-US" sz="2800" dirty="0" smtClean="0">
+                <a:solidFill>
+                  <a:schemeClr val="tx1">
+                    <a:lumMod val="40000"/>
+                    <a:lumOff val="60000"/>
+                  </a:schemeClr>
+                </a:solidFill>
+              </a:rPr>
+              <a:t>contents (you may need slightly to edit the script before).</a:t>
+            </a:r>
+            <a:endParaRPr lang="en-US" sz="2800" dirty="0" smtClean="0">
+              <a:solidFill>
+                <a:schemeClr val="tx1">
+                  <a:lumMod val="40000"/>
+                  <a:lumOff val="60000"/>
+                </a:schemeClr>
+              </a:solidFill>
+            </a:endParaRPr>
           </a:p>
           <a:p>
             <a:pPr marL="361950" indent="-361950">
